--- a/Day34_20220817_CustomerService.pptx
+++ b/Day34_20220817_CustomerService.pptx
@@ -2973,12 +2973,151 @@
         </p:nvSpPr>
         <p:spPr>
           <a:xfrm>
-            <a:off x="1055440" y="548680"/>
+            <a:off x="335360" y="548680"/>
             <a:ext cx="2160240" cy="720080"/>
           </a:xfrm>
           <a:prstGeom prst="rect">
             <a:avLst/>
           </a:prstGeom>
+          <a:gradFill flip="none" rotWithShape="1">
+            <a:gsLst>
+              <a:gs pos="0">
+                <a:schemeClr val="accent2">
+                  <a:lumMod val="67000"/>
+                </a:schemeClr>
+              </a:gs>
+              <a:gs pos="48000">
+                <a:schemeClr val="accent2">
+                  <a:lumMod val="97000"/>
+                  <a:lumOff val="3000"/>
+                </a:schemeClr>
+              </a:gs>
+              <a:gs pos="100000">
+                <a:schemeClr val="accent2">
+                  <a:lumMod val="60000"/>
+                  <a:lumOff val="40000"/>
+                </a:schemeClr>
+              </a:gs>
+            </a:gsLst>
+            <a:lin ang="16200000" scaled="1"/>
+            <a:tileRect/>
+          </a:gradFill>
+          <a:ln>
+            <a:noFill/>
+          </a:ln>
+        </p:spPr>
+        <p:style>
+          <a:lnRef idx="0">
+            <a:scrgbClr r="0" g="0" b="0"/>
+          </a:lnRef>
+          <a:fillRef idx="0">
+            <a:scrgbClr r="0" g="0" b="0"/>
+          </a:fillRef>
+          <a:effectRef idx="0">
+            <a:scrgbClr r="0" g="0" b="0"/>
+          </a:effectRef>
+          <a:fontRef idx="minor">
+            <a:schemeClr val="lt1"/>
+          </a:fontRef>
+        </p:style>
+        <p:txBody>
+          <a:bodyPr rtlCol="0" anchor="ctr"/>
+          <a:lstStyle/>
+          <a:p>
+            <a:pPr algn="ctr"/>
+            <a:r>
+              <a:rPr lang="en-US" altLang="ko-KR" dirty="0" err="1" smtClean="0"/>
+              <a:t>Join.jsp</a:t>
+            </a:r>
+            <a:endParaRPr lang="ko-KR" altLang="en-US" dirty="0"/>
+          </a:p>
+        </p:txBody>
+      </p:sp>
+      <p:sp>
+        <p:nvSpPr>
+          <p:cNvPr id="5" name="직사각형 4"/>
+          <p:cNvSpPr/>
+          <p:nvPr/>
+        </p:nvSpPr>
+        <p:spPr>
+          <a:xfrm>
+            <a:off x="335360" y="1988840"/>
+            <a:ext cx="2160240" cy="720080"/>
+          </a:xfrm>
+          <a:prstGeom prst="rect">
+            <a:avLst/>
+          </a:prstGeom>
+          <a:gradFill flip="none" rotWithShape="1">
+            <a:gsLst>
+              <a:gs pos="0">
+                <a:schemeClr val="accent2">
+                  <a:lumMod val="67000"/>
+                </a:schemeClr>
+              </a:gs>
+              <a:gs pos="48000">
+                <a:schemeClr val="accent2">
+                  <a:lumMod val="97000"/>
+                  <a:lumOff val="3000"/>
+                </a:schemeClr>
+              </a:gs>
+              <a:gs pos="100000">
+                <a:schemeClr val="accent2">
+                  <a:lumMod val="60000"/>
+                  <a:lumOff val="40000"/>
+                </a:schemeClr>
+              </a:gs>
+            </a:gsLst>
+            <a:lin ang="16200000" scaled="1"/>
+            <a:tileRect/>
+          </a:gradFill>
+          <a:ln>
+            <a:noFill/>
+          </a:ln>
+        </p:spPr>
+        <p:style>
+          <a:lnRef idx="0">
+            <a:scrgbClr r="0" g="0" b="0"/>
+          </a:lnRef>
+          <a:fillRef idx="0">
+            <a:scrgbClr r="0" g="0" b="0"/>
+          </a:fillRef>
+          <a:effectRef idx="0">
+            <a:scrgbClr r="0" g="0" b="0"/>
+          </a:effectRef>
+          <a:fontRef idx="minor">
+            <a:schemeClr val="lt1"/>
+          </a:fontRef>
+        </p:style>
+        <p:txBody>
+          <a:bodyPr rtlCol="0" anchor="ctr"/>
+          <a:lstStyle/>
+          <a:p>
+            <a:pPr algn="ctr"/>
+            <a:r>
+              <a:rPr lang="en-US" altLang="ko-KR" dirty="0" err="1" smtClean="0"/>
+              <a:t>Joincheck.jsp</a:t>
+            </a:r>
+            <a:endParaRPr lang="ko-KR" altLang="en-US" dirty="0"/>
+          </a:p>
+        </p:txBody>
+      </p:sp>
+      <p:sp>
+        <p:nvSpPr>
+          <p:cNvPr id="6" name="직사각형 5"/>
+          <p:cNvSpPr/>
+          <p:nvPr/>
+        </p:nvSpPr>
+        <p:spPr>
+          <a:xfrm>
+            <a:off x="3215680" y="4869160"/>
+            <a:ext cx="5760640" cy="720080"/>
+          </a:xfrm>
+          <a:prstGeom prst="rect">
+            <a:avLst/>
+          </a:prstGeom>
+          <a:solidFill>
+            <a:schemeClr val="tx2"/>
+          </a:solidFill>
         </p:spPr>
         <p:style>
           <a:lnRef idx="2">
@@ -3002,8 +3141,8 @@
           <a:p>
             <a:pPr algn="ctr"/>
             <a:r>
-              <a:rPr lang="en-US" altLang="ko-KR" dirty="0" err="1" smtClean="0"/>
-              <a:t>Join.jsp</a:t>
+              <a:rPr lang="en-US" altLang="ko-KR" dirty="0" smtClean="0"/>
+              <a:t>DAOcustomer.java</a:t>
             </a:r>
             <a:endParaRPr lang="ko-KR" altLang="en-US" dirty="0"/>
           </a:p>
@@ -3011,18 +3150,21 @@
       </p:sp>
       <p:sp>
         <p:nvSpPr>
-          <p:cNvPr id="5" name="직사각형 4"/>
+          <p:cNvPr id="7" name="직사각형 6"/>
           <p:cNvSpPr/>
           <p:nvPr/>
         </p:nvSpPr>
         <p:spPr>
           <a:xfrm>
-            <a:off x="1055440" y="1988840"/>
-            <a:ext cx="2160240" cy="720080"/>
+            <a:off x="3215680" y="6164163"/>
+            <a:ext cx="5760640" cy="720080"/>
           </a:xfrm>
           <a:prstGeom prst="rect">
             <a:avLst/>
           </a:prstGeom>
+          <a:solidFill>
+            <a:schemeClr val="tx2"/>
+          </a:solidFill>
         </p:spPr>
         <p:style>
           <a:lnRef idx="2">
@@ -3046,8 +3188,8 @@
           <a:p>
             <a:pPr algn="ctr"/>
             <a:r>
-              <a:rPr lang="en-US" altLang="ko-KR" dirty="0" err="1" smtClean="0"/>
-              <a:t>Joincheck.jsp</a:t>
+              <a:rPr lang="en-US" altLang="ko-KR" dirty="0" smtClean="0"/>
+              <a:t>Customer table</a:t>
             </a:r>
             <a:endParaRPr lang="ko-KR" altLang="en-US" dirty="0"/>
           </a:p>
@@ -3055,13 +3197,149 @@
       </p:sp>
       <p:sp>
         <p:nvSpPr>
-          <p:cNvPr id="6" name="직사각형 5"/>
+          <p:cNvPr id="8" name="직사각형 7"/>
           <p:cNvSpPr/>
           <p:nvPr/>
         </p:nvSpPr>
         <p:spPr>
           <a:xfrm>
-            <a:off x="1055440" y="3429000"/>
+            <a:off x="3215680" y="548680"/>
+            <a:ext cx="2160240" cy="720080"/>
+          </a:xfrm>
+          <a:prstGeom prst="rect">
+            <a:avLst/>
+          </a:prstGeom>
+          <a:gradFill flip="none" rotWithShape="1">
+            <a:gsLst>
+              <a:gs pos="0">
+                <a:schemeClr val="accent2">
+                  <a:lumMod val="67000"/>
+                </a:schemeClr>
+              </a:gs>
+              <a:gs pos="48000">
+                <a:schemeClr val="accent2">
+                  <a:lumMod val="97000"/>
+                  <a:lumOff val="3000"/>
+                </a:schemeClr>
+              </a:gs>
+              <a:gs pos="100000">
+                <a:schemeClr val="accent2">
+                  <a:lumMod val="60000"/>
+                  <a:lumOff val="40000"/>
+                </a:schemeClr>
+              </a:gs>
+            </a:gsLst>
+            <a:lin ang="16200000" scaled="1"/>
+            <a:tileRect/>
+          </a:gradFill>
+          <a:ln>
+            <a:noFill/>
+          </a:ln>
+        </p:spPr>
+        <p:style>
+          <a:lnRef idx="0">
+            <a:scrgbClr r="0" g="0" b="0"/>
+          </a:lnRef>
+          <a:fillRef idx="0">
+            <a:scrgbClr r="0" g="0" b="0"/>
+          </a:fillRef>
+          <a:effectRef idx="0">
+            <a:scrgbClr r="0" g="0" b="0"/>
+          </a:effectRef>
+          <a:fontRef idx="minor">
+            <a:schemeClr val="lt1"/>
+          </a:fontRef>
+        </p:style>
+        <p:txBody>
+          <a:bodyPr rtlCol="0" anchor="ctr"/>
+          <a:lstStyle/>
+          <a:p>
+            <a:pPr algn="ctr"/>
+            <a:r>
+              <a:rPr lang="en-US" altLang="ko-KR" dirty="0" err="1" smtClean="0"/>
+              <a:t>Login.jsp</a:t>
+            </a:r>
+            <a:endParaRPr lang="en-US" altLang="ko-KR" dirty="0" smtClean="0"/>
+          </a:p>
+        </p:txBody>
+      </p:sp>
+      <p:sp>
+        <p:nvSpPr>
+          <p:cNvPr id="9" name="직사각형 8"/>
+          <p:cNvSpPr/>
+          <p:nvPr/>
+        </p:nvSpPr>
+        <p:spPr>
+          <a:xfrm>
+            <a:off x="3215680" y="1988840"/>
+            <a:ext cx="2160240" cy="720080"/>
+          </a:xfrm>
+          <a:prstGeom prst="rect">
+            <a:avLst/>
+          </a:prstGeom>
+          <a:gradFill flip="none" rotWithShape="1">
+            <a:gsLst>
+              <a:gs pos="0">
+                <a:schemeClr val="accent2">
+                  <a:lumMod val="67000"/>
+                </a:schemeClr>
+              </a:gs>
+              <a:gs pos="48000">
+                <a:schemeClr val="accent2">
+                  <a:lumMod val="97000"/>
+                  <a:lumOff val="3000"/>
+                </a:schemeClr>
+              </a:gs>
+              <a:gs pos="100000">
+                <a:schemeClr val="accent2">
+                  <a:lumMod val="60000"/>
+                  <a:lumOff val="40000"/>
+                </a:schemeClr>
+              </a:gs>
+            </a:gsLst>
+            <a:lin ang="16200000" scaled="1"/>
+            <a:tileRect/>
+          </a:gradFill>
+          <a:ln>
+            <a:noFill/>
+          </a:ln>
+        </p:spPr>
+        <p:style>
+          <a:lnRef idx="0">
+            <a:scrgbClr r="0" g="0" b="0"/>
+          </a:lnRef>
+          <a:fillRef idx="0">
+            <a:scrgbClr r="0" g="0" b="0"/>
+          </a:fillRef>
+          <a:effectRef idx="0">
+            <a:scrgbClr r="0" g="0" b="0"/>
+          </a:effectRef>
+          <a:fontRef idx="minor">
+            <a:schemeClr val="lt1"/>
+          </a:fontRef>
+        </p:style>
+        <p:txBody>
+          <a:bodyPr rtlCol="0" anchor="ctr"/>
+          <a:lstStyle/>
+          <a:p>
+            <a:pPr algn="ctr"/>
+            <a:r>
+              <a:rPr lang="en-US" altLang="ko-KR" dirty="0" err="1" smtClean="0"/>
+              <a:t>Logincheck.jsp</a:t>
+            </a:r>
+            <a:endParaRPr lang="en-US" altLang="ko-KR" dirty="0" smtClean="0"/>
+          </a:p>
+        </p:txBody>
+      </p:sp>
+      <p:sp>
+        <p:nvSpPr>
+          <p:cNvPr id="10" name="직사각형 9"/>
+          <p:cNvSpPr/>
+          <p:nvPr/>
+        </p:nvSpPr>
+        <p:spPr>
+          <a:xfrm>
+            <a:off x="6816080" y="548680"/>
             <a:ext cx="2160240" cy="720080"/>
           </a:xfrm>
           <a:prstGeom prst="rect">
@@ -3070,15 +3348,15 @@
         </p:spPr>
         <p:style>
           <a:lnRef idx="2">
-            <a:schemeClr val="accent1">
+            <a:schemeClr val="accent4">
               <a:shade val="50000"/>
             </a:schemeClr>
           </a:lnRef>
           <a:fillRef idx="1">
-            <a:schemeClr val="accent1"/>
+            <a:schemeClr val="accent4"/>
           </a:fillRef>
           <a:effectRef idx="0">
-            <a:schemeClr val="accent1"/>
+            <a:schemeClr val="accent4"/>
           </a:effectRef>
           <a:fontRef idx="minor">
             <a:schemeClr val="lt1"/>
@@ -3090,22 +3368,22 @@
           <a:p>
             <a:pPr algn="ctr"/>
             <a:r>
-              <a:rPr lang="en-US" altLang="ko-KR" dirty="0" smtClean="0"/>
-              <a:t>DAOcustomer.java</a:t>
-            </a:r>
-            <a:endParaRPr lang="ko-KR" altLang="en-US" dirty="0"/>
-          </a:p>
-        </p:txBody>
-      </p:sp>
-      <p:sp>
-        <p:nvSpPr>
-          <p:cNvPr id="7" name="직사각형 6"/>
+              <a:rPr lang="en-US" altLang="ko-KR" dirty="0" err="1" smtClean="0"/>
+              <a:t>main.jsp</a:t>
+            </a:r>
+            <a:endParaRPr lang="en-US" altLang="ko-KR" dirty="0" smtClean="0"/>
+          </a:p>
+        </p:txBody>
+      </p:sp>
+      <p:sp>
+        <p:nvSpPr>
+          <p:cNvPr id="11" name="직사각형 10"/>
           <p:cNvSpPr/>
           <p:nvPr/>
         </p:nvSpPr>
         <p:spPr>
           <a:xfrm>
-            <a:off x="1055440" y="4869160"/>
+            <a:off x="6816080" y="1988559"/>
             <a:ext cx="2160240" cy="720080"/>
           </a:xfrm>
           <a:prstGeom prst="rect">
@@ -3114,15 +3392,15 @@
         </p:spPr>
         <p:style>
           <a:lnRef idx="2">
-            <a:schemeClr val="accent1">
+            <a:schemeClr val="accent4">
               <a:shade val="50000"/>
             </a:schemeClr>
           </a:lnRef>
           <a:fillRef idx="1">
-            <a:schemeClr val="accent1"/>
+            <a:schemeClr val="accent4"/>
           </a:fillRef>
           <a:effectRef idx="0">
-            <a:schemeClr val="accent1"/>
+            <a:schemeClr val="accent4"/>
           </a:effectRef>
           <a:fontRef idx="minor">
             <a:schemeClr val="lt1"/>
@@ -3134,22 +3412,65 @@
           <a:p>
             <a:pPr algn="ctr"/>
             <a:r>
-              <a:rPr lang="en-US" altLang="ko-KR" dirty="0" smtClean="0"/>
-              <a:t>Customer table</a:t>
-            </a:r>
-            <a:endParaRPr lang="ko-KR" altLang="en-US" dirty="0"/>
-          </a:p>
-        </p:txBody>
-      </p:sp>
-      <p:sp>
-        <p:nvSpPr>
-          <p:cNvPr id="8" name="직사각형 7"/>
+              <a:rPr lang="en-US" altLang="ko-KR" dirty="0" err="1" smtClean="0"/>
+              <a:t>maincheck.jsp</a:t>
+            </a:r>
+            <a:endParaRPr lang="en-US" altLang="ko-KR" dirty="0" smtClean="0"/>
+          </a:p>
+        </p:txBody>
+      </p:sp>
+      <p:sp>
+        <p:nvSpPr>
+          <p:cNvPr id="12" name="직사각형 11"/>
           <p:cNvSpPr/>
           <p:nvPr/>
         </p:nvSpPr>
         <p:spPr>
           <a:xfrm>
-            <a:off x="3935760" y="548680"/>
+            <a:off x="6816080" y="3426925"/>
+            <a:ext cx="5040560" cy="720080"/>
+          </a:xfrm>
+          <a:prstGeom prst="rect">
+            <a:avLst/>
+          </a:prstGeom>
+        </p:spPr>
+        <p:style>
+          <a:lnRef idx="2">
+            <a:schemeClr val="accent6">
+              <a:shade val="50000"/>
+            </a:schemeClr>
+          </a:lnRef>
+          <a:fillRef idx="1">
+            <a:schemeClr val="accent6"/>
+          </a:fillRef>
+          <a:effectRef idx="0">
+            <a:schemeClr val="accent6"/>
+          </a:effectRef>
+          <a:fontRef idx="minor">
+            <a:schemeClr val="lt1"/>
+          </a:fontRef>
+        </p:style>
+        <p:txBody>
+          <a:bodyPr rtlCol="0" anchor="ctr"/>
+          <a:lstStyle/>
+          <a:p>
+            <a:pPr algn="ctr"/>
+            <a:r>
+              <a:rPr lang="en-US" altLang="ko-KR" dirty="0" smtClean="0"/>
+              <a:t>DTOcustomer.java</a:t>
+            </a:r>
+          </a:p>
+        </p:txBody>
+      </p:sp>
+      <p:sp>
+        <p:nvSpPr>
+          <p:cNvPr id="13" name="직사각형 12"/>
+          <p:cNvSpPr/>
+          <p:nvPr/>
+        </p:nvSpPr>
+        <p:spPr>
+          <a:xfrm>
+            <a:off x="9696400" y="548680"/>
             <a:ext cx="2160240" cy="720080"/>
           </a:xfrm>
           <a:prstGeom prst="rect">
@@ -3158,15 +3479,15 @@
         </p:spPr>
         <p:style>
           <a:lnRef idx="2">
-            <a:schemeClr val="accent1">
+            <a:schemeClr val="accent4">
               <a:shade val="50000"/>
             </a:schemeClr>
           </a:lnRef>
           <a:fillRef idx="1">
-            <a:schemeClr val="accent1"/>
+            <a:schemeClr val="accent4"/>
           </a:fillRef>
           <a:effectRef idx="0">
-            <a:schemeClr val="accent1"/>
+            <a:schemeClr val="accent4"/>
           </a:effectRef>
           <a:fontRef idx="minor">
             <a:schemeClr val="lt1"/>
@@ -3179,7 +3500,7 @@
             <a:pPr algn="ctr"/>
             <a:r>
               <a:rPr lang="en-US" altLang="ko-KR" dirty="0" err="1" smtClean="0"/>
-              <a:t>Login.jsp</a:t>
+              <a:t>datail.jsp</a:t>
             </a:r>
             <a:endParaRPr lang="en-US" altLang="ko-KR" dirty="0" smtClean="0"/>
           </a:p>
@@ -3187,13 +3508,13 @@
       </p:sp>
       <p:sp>
         <p:nvSpPr>
-          <p:cNvPr id="9" name="직사각형 8"/>
+          <p:cNvPr id="14" name="직사각형 13"/>
           <p:cNvSpPr/>
           <p:nvPr/>
         </p:nvSpPr>
         <p:spPr>
           <a:xfrm>
-            <a:off x="3935760" y="1988840"/>
+            <a:off x="9696400" y="1988559"/>
             <a:ext cx="2160240" cy="720080"/>
           </a:xfrm>
           <a:prstGeom prst="rect">
@@ -3202,15 +3523,15 @@
         </p:spPr>
         <p:style>
           <a:lnRef idx="2">
-            <a:schemeClr val="accent1">
+            <a:schemeClr val="accent4">
               <a:shade val="50000"/>
             </a:schemeClr>
           </a:lnRef>
           <a:fillRef idx="1">
-            <a:schemeClr val="accent1"/>
+            <a:schemeClr val="accent4"/>
           </a:fillRef>
           <a:effectRef idx="0">
-            <a:schemeClr val="accent1"/>
+            <a:schemeClr val="accent4"/>
           </a:effectRef>
           <a:fontRef idx="minor">
             <a:schemeClr val="lt1"/>
@@ -3223,7 +3544,7 @@
             <a:pPr algn="ctr"/>
             <a:r>
               <a:rPr lang="en-US" altLang="ko-KR" dirty="0" err="1" smtClean="0"/>
-              <a:t>Logincheck.jsp</a:t>
+              <a:t>datailcheck.jsp</a:t>
             </a:r>
             <a:endParaRPr lang="en-US" altLang="ko-KR" dirty="0" smtClean="0"/>
           </a:p>
@@ -3239,6 +3560,13 @@
   <p:clrMapOvr>
     <a:masterClrMapping/>
   </p:clrMapOvr>
+  <p:timing>
+    <p:tnLst>
+      <p:par>
+        <p:cTn id="1" dur="indefinite" restart="never" nodeType="tmRoot"/>
+      </p:par>
+    </p:tnLst>
+  </p:timing>
 </p:sld>
 </file>
 
